--- a/habitorpitch.pptx
+++ b/habitorpitch.pptx
@@ -288,7 +288,7 @@
           <a:p>
             <a:fld id="{7BF4808E-1590-4CF3-B905-C6DDA5C0544C}" type="datetimeFigureOut">
               <a:rPr lang="en-AU" smtClean="0"/>
-              <a:t>27/08/2013</a:t>
+              <a:t>28/08/2013</a:t>
             </a:fld>
             <a:endParaRPr lang="en-AU"/>
           </a:p>
@@ -458,7 +458,7 @@
           <a:p>
             <a:fld id="{7BF4808E-1590-4CF3-B905-C6DDA5C0544C}" type="datetimeFigureOut">
               <a:rPr lang="en-AU" smtClean="0"/>
-              <a:t>27/08/2013</a:t>
+              <a:t>28/08/2013</a:t>
             </a:fld>
             <a:endParaRPr lang="en-AU"/>
           </a:p>
@@ -638,7 +638,7 @@
           <a:p>
             <a:fld id="{7BF4808E-1590-4CF3-B905-C6DDA5C0544C}" type="datetimeFigureOut">
               <a:rPr lang="en-AU" smtClean="0"/>
-              <a:t>27/08/2013</a:t>
+              <a:t>28/08/2013</a:t>
             </a:fld>
             <a:endParaRPr lang="en-AU"/>
           </a:p>
@@ -808,7 +808,7 @@
           <a:p>
             <a:fld id="{7BF4808E-1590-4CF3-B905-C6DDA5C0544C}" type="datetimeFigureOut">
               <a:rPr lang="en-AU" smtClean="0"/>
-              <a:t>27/08/2013</a:t>
+              <a:t>28/08/2013</a:t>
             </a:fld>
             <a:endParaRPr lang="en-AU"/>
           </a:p>
@@ -1054,7 +1054,7 @@
           <a:p>
             <a:fld id="{7BF4808E-1590-4CF3-B905-C6DDA5C0544C}" type="datetimeFigureOut">
               <a:rPr lang="en-AU" smtClean="0"/>
-              <a:t>27/08/2013</a:t>
+              <a:t>28/08/2013</a:t>
             </a:fld>
             <a:endParaRPr lang="en-AU"/>
           </a:p>
@@ -1342,7 +1342,7 @@
           <a:p>
             <a:fld id="{7BF4808E-1590-4CF3-B905-C6DDA5C0544C}" type="datetimeFigureOut">
               <a:rPr lang="en-AU" smtClean="0"/>
-              <a:t>27/08/2013</a:t>
+              <a:t>28/08/2013</a:t>
             </a:fld>
             <a:endParaRPr lang="en-AU"/>
           </a:p>
@@ -1764,7 +1764,7 @@
           <a:p>
             <a:fld id="{7BF4808E-1590-4CF3-B905-C6DDA5C0544C}" type="datetimeFigureOut">
               <a:rPr lang="en-AU" smtClean="0"/>
-              <a:t>27/08/2013</a:t>
+              <a:t>28/08/2013</a:t>
             </a:fld>
             <a:endParaRPr lang="en-AU"/>
           </a:p>
@@ -1882,7 +1882,7 @@
           <a:p>
             <a:fld id="{7BF4808E-1590-4CF3-B905-C6DDA5C0544C}" type="datetimeFigureOut">
               <a:rPr lang="en-AU" smtClean="0"/>
-              <a:t>27/08/2013</a:t>
+              <a:t>28/08/2013</a:t>
             </a:fld>
             <a:endParaRPr lang="en-AU"/>
           </a:p>
@@ -1977,7 +1977,7 @@
           <a:p>
             <a:fld id="{7BF4808E-1590-4CF3-B905-C6DDA5C0544C}" type="datetimeFigureOut">
               <a:rPr lang="en-AU" smtClean="0"/>
-              <a:t>27/08/2013</a:t>
+              <a:t>28/08/2013</a:t>
             </a:fld>
             <a:endParaRPr lang="en-AU"/>
           </a:p>
@@ -2254,7 +2254,7 @@
           <a:p>
             <a:fld id="{7BF4808E-1590-4CF3-B905-C6DDA5C0544C}" type="datetimeFigureOut">
               <a:rPr lang="en-AU" smtClean="0"/>
-              <a:t>27/08/2013</a:t>
+              <a:t>28/08/2013</a:t>
             </a:fld>
             <a:endParaRPr lang="en-AU"/>
           </a:p>
@@ -2507,7 +2507,7 @@
           <a:p>
             <a:fld id="{7BF4808E-1590-4CF3-B905-C6DDA5C0544C}" type="datetimeFigureOut">
               <a:rPr lang="en-AU" smtClean="0"/>
-              <a:t>27/08/2013</a:t>
+              <a:t>28/08/2013</a:t>
             </a:fld>
             <a:endParaRPr lang="en-AU"/>
           </a:p>
@@ -2725,7 +2725,7 @@
           <a:p>
             <a:fld id="{7BF4808E-1590-4CF3-B905-C6DDA5C0544C}" type="datetimeFigureOut">
               <a:rPr lang="en-AU" smtClean="0"/>
-              <a:t>27/08/2013</a:t>
+              <a:t>28/08/2013</a:t>
             </a:fld>
             <a:endParaRPr lang="en-AU"/>
           </a:p>
@@ -3108,10 +3108,10 @@
         </p:nvGrpSpPr>
         <p:grpSpPr>
           <a:xfrm>
-            <a:off x="1440650" y="476672"/>
-            <a:ext cx="5291590" cy="1838193"/>
-            <a:chOff x="1440650" y="476672"/>
-            <a:chExt cx="5291590" cy="1838193"/>
+            <a:off x="1259632" y="476672"/>
+            <a:ext cx="5431741" cy="1838193"/>
+            <a:chOff x="1300499" y="476672"/>
+            <a:chExt cx="5431741" cy="1838193"/>
           </a:xfrm>
         </p:grpSpPr>
         <p:sp>
@@ -3122,8 +3122,8 @@
           </p:nvSpPr>
           <p:spPr>
             <a:xfrm>
-              <a:off x="1440650" y="1669450"/>
-              <a:ext cx="1728192" cy="640515"/>
+              <a:off x="1300499" y="1669450"/>
+              <a:ext cx="1837202" cy="640515"/>
             </a:xfrm>
             <a:prstGeom prst="rect">
               <a:avLst/>
@@ -3183,8 +3183,13 @@
             <a:p>
               <a:r>
                 <a:rPr lang="en-AU" dirty="0"/>
-                <a:t> TIGGER</a:t>
+                <a:t> </a:t>
               </a:r>
+              <a:r>
+                <a:rPr lang="en-AU" dirty="0" smtClean="0"/>
+                <a:t>  REMINDER</a:t>
+              </a:r>
+              <a:endParaRPr lang="en-AU" dirty="0"/>
             </a:p>
           </p:txBody>
         </p:sp>
@@ -3196,7 +3201,7 @@
           </p:nvSpPr>
           <p:spPr>
             <a:xfrm>
-              <a:off x="3168842" y="476672"/>
+              <a:off x="3208619" y="476672"/>
               <a:ext cx="1728192" cy="640515"/>
             </a:xfrm>
             <a:prstGeom prst="rect">
@@ -3270,8 +3275,13 @@
             <a:p>
               <a:r>
                 <a:rPr lang="en-AU" dirty="0"/>
-                <a:t>  ROUTINE</a:t>
+                <a:t>  </a:t>
               </a:r>
+              <a:r>
+                <a:rPr lang="en-AU" dirty="0" smtClean="0"/>
+                <a:t> ROUTINE</a:t>
+              </a:r>
+              <a:endParaRPr lang="en-AU" dirty="0"/>
             </a:p>
           </p:txBody>
         </p:sp>
@@ -3400,7 +3410,11 @@
             <a:p>
               <a:r>
                 <a:rPr lang="en-AU" dirty="0" smtClean="0"/>
-                <a:t> REWARD</a:t>
+                <a:t> </a:t>
+              </a:r>
+              <a:r>
+                <a:rPr lang="en-AU" dirty="0" smtClean="0"/>
+                <a:t>   REWARD</a:t>
               </a:r>
               <a:endParaRPr lang="en-AU" dirty="0"/>
             </a:p>
@@ -3428,7 +3442,7 @@
           </p:blipFill>
           <p:spPr>
             <a:xfrm>
-              <a:off x="1547664" y="1850591"/>
+              <a:off x="1403648" y="1850591"/>
               <a:ext cx="288032" cy="288032"/>
             </a:xfrm>
             <a:prstGeom prst="rect">
@@ -3444,8 +3458,8 @@
           </p:nvSpPr>
           <p:spPr>
             <a:xfrm>
-              <a:off x="1835696" y="620688"/>
-              <a:ext cx="1333146" cy="1056055"/>
+              <a:off x="2092586" y="620688"/>
+              <a:ext cx="1116033" cy="1056055"/>
             </a:xfrm>
             <a:prstGeom prst="bentArrow">
               <a:avLst/>
@@ -3487,8 +3501,8 @@
           </p:nvSpPr>
           <p:spPr>
             <a:xfrm rot="5400000">
-              <a:off x="5020179" y="569553"/>
-              <a:ext cx="976755" cy="1223046"/>
+              <a:off x="5073686" y="555825"/>
+              <a:ext cx="976755" cy="1250506"/>
             </a:xfrm>
             <a:prstGeom prst="bentArrow">
               <a:avLst>
